--- a/agitd_arra/웹 발표.pptx
+++ b/agitd_arra/웹 발표.pptx
@@ -290,7 +290,8 @@
           <a:p>
             <a:fld id="{F5106A6B-67F8-427E-94F9-C76F1B610CA3}" type="datetimeFigureOut">
               <a:rPr lang="ko-KR" altLang="en-US" smtClean="0"/>
-              <a:t>2020-08-06</a:t>
+              <a:pPr/>
+              <a:t>2020-08-10</a:t>
             </a:fld>
             <a:endParaRPr lang="ko-KR" altLang="en-US"/>
           </a:p>
@@ -332,6 +333,7 @@
           <a:p>
             <a:fld id="{FD8FA8D6-CACB-477C-A6C6-3C08C819AC68}" type="slidenum">
               <a:rPr lang="ko-KR" altLang="en-US" smtClean="0"/>
+              <a:pPr/>
               <a:t>‹#›</a:t>
             </a:fld>
             <a:endParaRPr lang="ko-KR" altLang="en-US"/>
@@ -455,7 +457,8 @@
           <a:p>
             <a:fld id="{F5106A6B-67F8-427E-94F9-C76F1B610CA3}" type="datetimeFigureOut">
               <a:rPr lang="ko-KR" altLang="en-US" smtClean="0"/>
-              <a:t>2020-08-06</a:t>
+              <a:pPr/>
+              <a:t>2020-08-10</a:t>
             </a:fld>
             <a:endParaRPr lang="ko-KR" altLang="en-US"/>
           </a:p>
@@ -497,6 +500,7 @@
           <a:p>
             <a:fld id="{FD8FA8D6-CACB-477C-A6C6-3C08C819AC68}" type="slidenum">
               <a:rPr lang="ko-KR" altLang="en-US" smtClean="0"/>
+              <a:pPr/>
               <a:t>‹#›</a:t>
             </a:fld>
             <a:endParaRPr lang="ko-KR" altLang="en-US"/>
@@ -630,7 +634,8 @@
           <a:p>
             <a:fld id="{F5106A6B-67F8-427E-94F9-C76F1B610CA3}" type="datetimeFigureOut">
               <a:rPr lang="ko-KR" altLang="en-US" smtClean="0"/>
-              <a:t>2020-08-06</a:t>
+              <a:pPr/>
+              <a:t>2020-08-10</a:t>
             </a:fld>
             <a:endParaRPr lang="ko-KR" altLang="en-US"/>
           </a:p>
@@ -672,6 +677,7 @@
           <a:p>
             <a:fld id="{FD8FA8D6-CACB-477C-A6C6-3C08C819AC68}" type="slidenum">
               <a:rPr lang="ko-KR" altLang="en-US" smtClean="0"/>
+              <a:pPr/>
               <a:t>‹#›</a:t>
             </a:fld>
             <a:endParaRPr lang="ko-KR" altLang="en-US"/>
@@ -795,7 +801,8 @@
           <a:p>
             <a:fld id="{F5106A6B-67F8-427E-94F9-C76F1B610CA3}" type="datetimeFigureOut">
               <a:rPr lang="ko-KR" altLang="en-US" smtClean="0"/>
-              <a:t>2020-08-06</a:t>
+              <a:pPr/>
+              <a:t>2020-08-10</a:t>
             </a:fld>
             <a:endParaRPr lang="ko-KR" altLang="en-US"/>
           </a:p>
@@ -837,6 +844,7 @@
           <a:p>
             <a:fld id="{FD8FA8D6-CACB-477C-A6C6-3C08C819AC68}" type="slidenum">
               <a:rPr lang="ko-KR" altLang="en-US" smtClean="0"/>
+              <a:pPr/>
               <a:t>‹#›</a:t>
             </a:fld>
             <a:endParaRPr lang="ko-KR" altLang="en-US"/>
@@ -1036,7 +1044,8 @@
           <a:p>
             <a:fld id="{F5106A6B-67F8-427E-94F9-C76F1B610CA3}" type="datetimeFigureOut">
               <a:rPr lang="ko-KR" altLang="en-US" smtClean="0"/>
-              <a:t>2020-08-06</a:t>
+              <a:pPr/>
+              <a:t>2020-08-10</a:t>
             </a:fld>
             <a:endParaRPr lang="ko-KR" altLang="en-US"/>
           </a:p>
@@ -1078,6 +1087,7 @@
           <a:p>
             <a:fld id="{FD8FA8D6-CACB-477C-A6C6-3C08C819AC68}" type="slidenum">
               <a:rPr lang="ko-KR" altLang="en-US" smtClean="0"/>
+              <a:pPr/>
               <a:t>‹#›</a:t>
             </a:fld>
             <a:endParaRPr lang="ko-KR" altLang="en-US"/>
@@ -1319,7 +1329,8 @@
           <a:p>
             <a:fld id="{F5106A6B-67F8-427E-94F9-C76F1B610CA3}" type="datetimeFigureOut">
               <a:rPr lang="ko-KR" altLang="en-US" smtClean="0"/>
-              <a:t>2020-08-06</a:t>
+              <a:pPr/>
+              <a:t>2020-08-10</a:t>
             </a:fld>
             <a:endParaRPr lang="ko-KR" altLang="en-US"/>
           </a:p>
@@ -1361,6 +1372,7 @@
           <a:p>
             <a:fld id="{FD8FA8D6-CACB-477C-A6C6-3C08C819AC68}" type="slidenum">
               <a:rPr lang="ko-KR" altLang="en-US" smtClean="0"/>
+              <a:pPr/>
               <a:t>‹#›</a:t>
             </a:fld>
             <a:endParaRPr lang="ko-KR" altLang="en-US"/>
@@ -1736,7 +1748,8 @@
           <a:p>
             <a:fld id="{F5106A6B-67F8-427E-94F9-C76F1B610CA3}" type="datetimeFigureOut">
               <a:rPr lang="ko-KR" altLang="en-US" smtClean="0"/>
-              <a:t>2020-08-06</a:t>
+              <a:pPr/>
+              <a:t>2020-08-10</a:t>
             </a:fld>
             <a:endParaRPr lang="ko-KR" altLang="en-US"/>
           </a:p>
@@ -1778,6 +1791,7 @@
           <a:p>
             <a:fld id="{FD8FA8D6-CACB-477C-A6C6-3C08C819AC68}" type="slidenum">
               <a:rPr lang="ko-KR" altLang="en-US" smtClean="0"/>
+              <a:pPr/>
               <a:t>‹#›</a:t>
             </a:fld>
             <a:endParaRPr lang="ko-KR" altLang="en-US"/>
@@ -1849,7 +1863,8 @@
           <a:p>
             <a:fld id="{F5106A6B-67F8-427E-94F9-C76F1B610CA3}" type="datetimeFigureOut">
               <a:rPr lang="ko-KR" altLang="en-US" smtClean="0"/>
-              <a:t>2020-08-06</a:t>
+              <a:pPr/>
+              <a:t>2020-08-10</a:t>
             </a:fld>
             <a:endParaRPr lang="ko-KR" altLang="en-US"/>
           </a:p>
@@ -1891,6 +1906,7 @@
           <a:p>
             <a:fld id="{FD8FA8D6-CACB-477C-A6C6-3C08C819AC68}" type="slidenum">
               <a:rPr lang="ko-KR" altLang="en-US" smtClean="0"/>
+              <a:pPr/>
               <a:t>‹#›</a:t>
             </a:fld>
             <a:endParaRPr lang="ko-KR" altLang="en-US"/>
@@ -1939,7 +1955,8 @@
           <a:p>
             <a:fld id="{F5106A6B-67F8-427E-94F9-C76F1B610CA3}" type="datetimeFigureOut">
               <a:rPr lang="ko-KR" altLang="en-US" smtClean="0"/>
-              <a:t>2020-08-06</a:t>
+              <a:pPr/>
+              <a:t>2020-08-10</a:t>
             </a:fld>
             <a:endParaRPr lang="ko-KR" altLang="en-US"/>
           </a:p>
@@ -1981,6 +1998,7 @@
           <a:p>
             <a:fld id="{FD8FA8D6-CACB-477C-A6C6-3C08C819AC68}" type="slidenum">
               <a:rPr lang="ko-KR" altLang="en-US" smtClean="0"/>
+              <a:pPr/>
               <a:t>‹#›</a:t>
             </a:fld>
             <a:endParaRPr lang="ko-KR" altLang="en-US"/>
@@ -2211,7 +2229,8 @@
           <a:p>
             <a:fld id="{F5106A6B-67F8-427E-94F9-C76F1B610CA3}" type="datetimeFigureOut">
               <a:rPr lang="ko-KR" altLang="en-US" smtClean="0"/>
-              <a:t>2020-08-06</a:t>
+              <a:pPr/>
+              <a:t>2020-08-10</a:t>
             </a:fld>
             <a:endParaRPr lang="ko-KR" altLang="en-US"/>
           </a:p>
@@ -2253,6 +2272,7 @@
           <a:p>
             <a:fld id="{FD8FA8D6-CACB-477C-A6C6-3C08C819AC68}" type="slidenum">
               <a:rPr lang="ko-KR" altLang="en-US" smtClean="0"/>
+              <a:pPr/>
               <a:t>‹#›</a:t>
             </a:fld>
             <a:endParaRPr lang="ko-KR" altLang="en-US"/>
@@ -2459,7 +2479,8 @@
           <a:p>
             <a:fld id="{F5106A6B-67F8-427E-94F9-C76F1B610CA3}" type="datetimeFigureOut">
               <a:rPr lang="ko-KR" altLang="en-US" smtClean="0"/>
-              <a:t>2020-08-06</a:t>
+              <a:pPr/>
+              <a:t>2020-08-10</a:t>
             </a:fld>
             <a:endParaRPr lang="ko-KR" altLang="en-US"/>
           </a:p>
@@ -2501,6 +2522,7 @@
           <a:p>
             <a:fld id="{FD8FA8D6-CACB-477C-A6C6-3C08C819AC68}" type="slidenum">
               <a:rPr lang="ko-KR" altLang="en-US" smtClean="0"/>
+              <a:pPr/>
               <a:t>‹#›</a:t>
             </a:fld>
             <a:endParaRPr lang="ko-KR" altLang="en-US"/>
@@ -2667,7 +2689,8 @@
           <a:p>
             <a:fld id="{F5106A6B-67F8-427E-94F9-C76F1B610CA3}" type="datetimeFigureOut">
               <a:rPr lang="ko-KR" altLang="en-US" smtClean="0"/>
-              <a:t>2020-08-06</a:t>
+              <a:pPr/>
+              <a:t>2020-08-10</a:t>
             </a:fld>
             <a:endParaRPr lang="ko-KR" altLang="en-US"/>
           </a:p>
@@ -2745,6 +2768,7 @@
           <a:p>
             <a:fld id="{FD8FA8D6-CACB-477C-A6C6-3C08C819AC68}" type="slidenum">
               <a:rPr lang="ko-KR" altLang="en-US" smtClean="0"/>
+              <a:pPr/>
               <a:t>‹#›</a:t>
             </a:fld>
             <a:endParaRPr lang="ko-KR" altLang="en-US"/>
@@ -3435,6 +3459,18 @@
           <a:bodyPr/>
           <a:lstStyle/>
           <a:p>
+            <a:r>
+              <a:rPr lang="ko-KR" altLang="en-US" dirty="0" smtClean="0"/>
+              <a:t>구현기능</a:t>
+            </a:r>
+            <a:r>
+              <a:rPr lang="en-US" altLang="ko-KR" dirty="0" smtClean="0"/>
+              <a:t>-</a:t>
+            </a:r>
+            <a:r>
+              <a:rPr lang="ko-KR" altLang="en-US" dirty="0" smtClean="0"/>
+              <a:t>로그인</a:t>
+            </a:r>
             <a:endParaRPr lang="ko-KR" altLang="en-US" dirty="0"/>
           </a:p>
         </p:txBody>
